--- a/卒業論文本体/Document/Create_all.pptx
+++ b/卒業論文本体/Document/Create_all.pptx
@@ -147,8 +147,12 @@
               </a:defRPr>
             </a:pPr>
             <a:r>
+              <a:rPr lang="ja-JP" altLang="en-US" sz="2800" dirty="0" smtClean="0"/>
+              <a:t>作成</a:t>
+            </a:r>
+            <a:r>
               <a:rPr lang="ja-JP" altLang="en-US" sz="2800" dirty="0"/>
-              <a:t>各方式作成所要時間比較</a:t>
+              <a:t>所要時間比較</a:t>
             </a:r>
           </a:p>
         </c:rich>
@@ -222,9 +226,14 @@
             </c:strRef>
           </c:tx>
           <c:spPr>
-            <a:solidFill>
-              <a:schemeClr val="accent2"/>
-            </a:solidFill>
+            <a:pattFill prst="dkHorz">
+              <a:fgClr>
+                <a:srgbClr val="ED7D31"/>
+              </a:fgClr>
+              <a:bgClr>
+                <a:sysClr val="window" lastClr="FFFFFF"/>
+              </a:bgClr>
+            </a:pattFill>
             <a:ln>
               <a:solidFill>
                 <a:schemeClr val="accent2"/>
@@ -918,11 +927,11 @@
         </c:dLbls>
         <c:gapWidth val="219"/>
         <c:overlap val="-27"/>
-        <c:axId val="-1491265056"/>
-        <c:axId val="-1491267776"/>
+        <c:axId val="-1346346384"/>
+        <c:axId val="-1346351280"/>
       </c:barChart>
       <c:catAx>
-        <c:axId val="-1491265056"/>
+        <c:axId val="-1346346384"/>
         <c:scaling>
           <c:orientation val="minMax"/>
         </c:scaling>
@@ -962,7 +971,7 @@
             <a:endParaRPr lang="ja-JP"/>
           </a:p>
         </c:txPr>
-        <c:crossAx val="-1491267776"/>
+        <c:crossAx val="-1346351280"/>
         <c:crosses val="autoZero"/>
         <c:auto val="1"/>
         <c:lblAlgn val="ctr"/>
@@ -970,7 +979,7 @@
         <c:noMultiLvlLbl val="0"/>
       </c:catAx>
       <c:valAx>
-        <c:axId val="-1491267776"/>
+        <c:axId val="-1346351280"/>
         <c:scaling>
           <c:orientation val="minMax"/>
         </c:scaling>
@@ -1090,7 +1099,7 @@
             <a:endParaRPr lang="ja-JP"/>
           </a:p>
         </c:txPr>
-        <c:crossAx val="-1491265056"/>
+        <c:crossAx val="-1346346384"/>
         <c:crosses val="autoZero"/>
         <c:crossBetween val="between"/>
       </c:valAx>
@@ -2340,7 +2349,7 @@
           <a:p>
             <a:fld id="{280CACED-8921-4A93-AE34-973103E0B224}" type="datetimeFigureOut">
               <a:rPr kumimoji="1" lang="ja-JP" altLang="en-US" smtClean="0"/>
-              <a:t>2016/2/9</a:t>
+              <a:t>2016/2/18</a:t>
             </a:fld>
             <a:endParaRPr kumimoji="1" lang="ja-JP" altLang="en-US"/>
           </a:p>
@@ -2542,7 +2551,7 @@
           <a:p>
             <a:fld id="{280CACED-8921-4A93-AE34-973103E0B224}" type="datetimeFigureOut">
               <a:rPr kumimoji="1" lang="ja-JP" altLang="en-US" smtClean="0"/>
-              <a:t>2016/2/9</a:t>
+              <a:t>2016/2/18</a:t>
             </a:fld>
             <a:endParaRPr kumimoji="1" lang="ja-JP" altLang="en-US"/>
           </a:p>
@@ -2754,7 +2763,7 @@
           <a:p>
             <a:fld id="{280CACED-8921-4A93-AE34-973103E0B224}" type="datetimeFigureOut">
               <a:rPr kumimoji="1" lang="ja-JP" altLang="en-US" smtClean="0"/>
-              <a:t>2016/2/9</a:t>
+              <a:t>2016/2/18</a:t>
             </a:fld>
             <a:endParaRPr kumimoji="1" lang="ja-JP" altLang="en-US"/>
           </a:p>
@@ -2956,7 +2965,7 @@
           <a:p>
             <a:fld id="{280CACED-8921-4A93-AE34-973103E0B224}" type="datetimeFigureOut">
               <a:rPr kumimoji="1" lang="ja-JP" altLang="en-US" smtClean="0"/>
-              <a:t>2016/2/9</a:t>
+              <a:t>2016/2/18</a:t>
             </a:fld>
             <a:endParaRPr kumimoji="1" lang="ja-JP" altLang="en-US"/>
           </a:p>
@@ -3202,7 +3211,7 @@
           <a:p>
             <a:fld id="{280CACED-8921-4A93-AE34-973103E0B224}" type="datetimeFigureOut">
               <a:rPr kumimoji="1" lang="ja-JP" altLang="en-US" smtClean="0"/>
-              <a:t>2016/2/9</a:t>
+              <a:t>2016/2/18</a:t>
             </a:fld>
             <a:endParaRPr kumimoji="1" lang="ja-JP" altLang="en-US"/>
           </a:p>
@@ -3498,7 +3507,7 @@
           <a:p>
             <a:fld id="{280CACED-8921-4A93-AE34-973103E0B224}" type="datetimeFigureOut">
               <a:rPr kumimoji="1" lang="ja-JP" altLang="en-US" smtClean="0"/>
-              <a:t>2016/2/9</a:t>
+              <a:t>2016/2/18</a:t>
             </a:fld>
             <a:endParaRPr kumimoji="1" lang="ja-JP" altLang="en-US"/>
           </a:p>
@@ -3929,7 +3938,7 @@
           <a:p>
             <a:fld id="{280CACED-8921-4A93-AE34-973103E0B224}" type="datetimeFigureOut">
               <a:rPr kumimoji="1" lang="ja-JP" altLang="en-US" smtClean="0"/>
-              <a:t>2016/2/9</a:t>
+              <a:t>2016/2/18</a:t>
             </a:fld>
             <a:endParaRPr kumimoji="1" lang="ja-JP" altLang="en-US"/>
           </a:p>
@@ -4047,7 +4056,7 @@
           <a:p>
             <a:fld id="{280CACED-8921-4A93-AE34-973103E0B224}" type="datetimeFigureOut">
               <a:rPr kumimoji="1" lang="ja-JP" altLang="en-US" smtClean="0"/>
-              <a:t>2016/2/9</a:t>
+              <a:t>2016/2/18</a:t>
             </a:fld>
             <a:endParaRPr kumimoji="1" lang="ja-JP" altLang="en-US"/>
           </a:p>
@@ -4142,7 +4151,7 @@
           <a:p>
             <a:fld id="{280CACED-8921-4A93-AE34-973103E0B224}" type="datetimeFigureOut">
               <a:rPr kumimoji="1" lang="ja-JP" altLang="en-US" smtClean="0"/>
-              <a:t>2016/2/9</a:t>
+              <a:t>2016/2/18</a:t>
             </a:fld>
             <a:endParaRPr kumimoji="1" lang="ja-JP" altLang="en-US"/>
           </a:p>
@@ -4451,7 +4460,7 @@
           <a:p>
             <a:fld id="{280CACED-8921-4A93-AE34-973103E0B224}" type="datetimeFigureOut">
               <a:rPr kumimoji="1" lang="ja-JP" altLang="en-US" smtClean="0"/>
-              <a:t>2016/2/9</a:t>
+              <a:t>2016/2/18</a:t>
             </a:fld>
             <a:endParaRPr kumimoji="1" lang="ja-JP" altLang="en-US"/>
           </a:p>
@@ -4704,7 +4713,7 @@
           <a:p>
             <a:fld id="{280CACED-8921-4A93-AE34-973103E0B224}" type="datetimeFigureOut">
               <a:rPr kumimoji="1" lang="ja-JP" altLang="en-US" smtClean="0"/>
-              <a:t>2016/2/9</a:t>
+              <a:t>2016/2/18</a:t>
             </a:fld>
             <a:endParaRPr kumimoji="1" lang="ja-JP" altLang="en-US"/>
           </a:p>
@@ -4949,7 +4958,7 @@
           <a:p>
             <a:fld id="{280CACED-8921-4A93-AE34-973103E0B224}" type="datetimeFigureOut">
               <a:rPr kumimoji="1" lang="ja-JP" altLang="en-US" smtClean="0"/>
-              <a:t>2016/2/9</a:t>
+              <a:t>2016/2/18</a:t>
             </a:fld>
             <a:endParaRPr kumimoji="1" lang="ja-JP" altLang="en-US"/>
           </a:p>
@@ -5363,7 +5372,7 @@
           <p:nvPr>
             <p:extLst>
               <p:ext uri="{D42A27DB-BD31-4B8C-83A1-F6EECF244321}">
-                <p14:modId xmlns:p14="http://schemas.microsoft.com/office/powerpoint/2010/main" val="4043816766"/>
+                <p14:modId xmlns:p14="http://schemas.microsoft.com/office/powerpoint/2010/main" val="1918288871"/>
               </p:ext>
             </p:extLst>
           </p:nvPr>
